--- a/IntroductionOfPython.pptx
+++ b/IntroductionOfPython.pptx
@@ -19,6 +19,13 @@
     <p:sldId id="267" r:id="rId13"/>
     <p:sldId id="268" r:id="rId14"/>
     <p:sldId id="269" r:id="rId15"/>
+    <p:sldId id="270" r:id="rId16"/>
+    <p:sldId id="271" r:id="rId17"/>
+    <p:sldId id="272" r:id="rId18"/>
+    <p:sldId id="273" r:id="rId19"/>
+    <p:sldId id="274" r:id="rId20"/>
+    <p:sldId id="275" r:id="rId21"/>
+    <p:sldId id="276" r:id="rId22"/>
   </p:sldIdLst>
   <p:sldSz cx="12192000" cy="6858000"/>
   <p:notesSz cx="6858000" cy="9144000"/>
@@ -276,7 +283,7 @@
           <a:p>
             <a:fld id="{52C7BB1F-917E-469D-8572-BD9F14D4F6AE}" type="datetimeFigureOut">
               <a:rPr lang="en-US" smtClean="0"/>
-              <a:t>11/12/2018</a:t>
+              <a:t>11/13/2018</a:t>
             </a:fld>
             <a:endParaRPr lang="en-US"/>
           </a:p>
@@ -474,7 +481,7 @@
           <a:p>
             <a:fld id="{52C7BB1F-917E-469D-8572-BD9F14D4F6AE}" type="datetimeFigureOut">
               <a:rPr lang="en-US" smtClean="0"/>
-              <a:t>11/12/2018</a:t>
+              <a:t>11/13/2018</a:t>
             </a:fld>
             <a:endParaRPr lang="en-US"/>
           </a:p>
@@ -682,7 +689,7 @@
           <a:p>
             <a:fld id="{52C7BB1F-917E-469D-8572-BD9F14D4F6AE}" type="datetimeFigureOut">
               <a:rPr lang="en-US" smtClean="0"/>
-              <a:t>11/12/2018</a:t>
+              <a:t>11/13/2018</a:t>
             </a:fld>
             <a:endParaRPr lang="en-US"/>
           </a:p>
@@ -880,7 +887,7 @@
           <a:p>
             <a:fld id="{52C7BB1F-917E-469D-8572-BD9F14D4F6AE}" type="datetimeFigureOut">
               <a:rPr lang="en-US" smtClean="0"/>
-              <a:t>11/12/2018</a:t>
+              <a:t>11/13/2018</a:t>
             </a:fld>
             <a:endParaRPr lang="en-US"/>
           </a:p>
@@ -1155,7 +1162,7 @@
           <a:p>
             <a:fld id="{52C7BB1F-917E-469D-8572-BD9F14D4F6AE}" type="datetimeFigureOut">
               <a:rPr lang="en-US" smtClean="0"/>
-              <a:t>11/12/2018</a:t>
+              <a:t>11/13/2018</a:t>
             </a:fld>
             <a:endParaRPr lang="en-US"/>
           </a:p>
@@ -1420,7 +1427,7 @@
           <a:p>
             <a:fld id="{52C7BB1F-917E-469D-8572-BD9F14D4F6AE}" type="datetimeFigureOut">
               <a:rPr lang="en-US" smtClean="0"/>
-              <a:t>11/12/2018</a:t>
+              <a:t>11/13/2018</a:t>
             </a:fld>
             <a:endParaRPr lang="en-US"/>
           </a:p>
@@ -1832,7 +1839,7 @@
           <a:p>
             <a:fld id="{52C7BB1F-917E-469D-8572-BD9F14D4F6AE}" type="datetimeFigureOut">
               <a:rPr lang="en-US" smtClean="0"/>
-              <a:t>11/12/2018</a:t>
+              <a:t>11/13/2018</a:t>
             </a:fld>
             <a:endParaRPr lang="en-US"/>
           </a:p>
@@ -1973,7 +1980,7 @@
           <a:p>
             <a:fld id="{52C7BB1F-917E-469D-8572-BD9F14D4F6AE}" type="datetimeFigureOut">
               <a:rPr lang="en-US" smtClean="0"/>
-              <a:t>11/12/2018</a:t>
+              <a:t>11/13/2018</a:t>
             </a:fld>
             <a:endParaRPr lang="en-US"/>
           </a:p>
@@ -2086,7 +2093,7 @@
           <a:p>
             <a:fld id="{52C7BB1F-917E-469D-8572-BD9F14D4F6AE}" type="datetimeFigureOut">
               <a:rPr lang="en-US" smtClean="0"/>
-              <a:t>11/12/2018</a:t>
+              <a:t>11/13/2018</a:t>
             </a:fld>
             <a:endParaRPr lang="en-US"/>
           </a:p>
@@ -2397,7 +2404,7 @@
           <a:p>
             <a:fld id="{52C7BB1F-917E-469D-8572-BD9F14D4F6AE}" type="datetimeFigureOut">
               <a:rPr lang="en-US" smtClean="0"/>
-              <a:t>11/12/2018</a:t>
+              <a:t>11/13/2018</a:t>
             </a:fld>
             <a:endParaRPr lang="en-US"/>
           </a:p>
@@ -2685,7 +2692,7 @@
           <a:p>
             <a:fld id="{52C7BB1F-917E-469D-8572-BD9F14D4F6AE}" type="datetimeFigureOut">
               <a:rPr lang="en-US" smtClean="0"/>
-              <a:t>11/12/2018</a:t>
+              <a:t>11/13/2018</a:t>
             </a:fld>
             <a:endParaRPr lang="en-US"/>
           </a:p>
@@ -2926,7 +2933,7 @@
           <a:p>
             <a:fld id="{52C7BB1F-917E-469D-8572-BD9F14D4F6AE}" type="datetimeFigureOut">
               <a:rPr lang="en-US" smtClean="0"/>
-              <a:t>11/12/2018</a:t>
+              <a:t>11/13/2018</a:t>
             </a:fld>
             <a:endParaRPr lang="en-US"/>
           </a:p>
@@ -4448,6 +4455,1187 @@
 </p:sld>
 </file>
 
+<file path=ppt/slides/slide15.xml><?xml version="1.0" encoding="utf-8"?>
+<p:sld xmlns:a="http://schemas.openxmlformats.org/drawingml/2006/main" xmlns:r="http://schemas.openxmlformats.org/officeDocument/2006/relationships" xmlns:p="http://schemas.openxmlformats.org/presentationml/2006/main">
+  <p:cSld>
+    <p:spTree>
+      <p:nvGrpSpPr>
+        <p:cNvPr id="1" name=""/>
+        <p:cNvGrpSpPr/>
+        <p:nvPr/>
+      </p:nvGrpSpPr>
+      <p:grpSpPr>
+        <a:xfrm>
+          <a:off x="0" y="0"/>
+          <a:ext cx="0" cy="0"/>
+          <a:chOff x="0" y="0"/>
+          <a:chExt cx="0" cy="0"/>
+        </a:xfrm>
+      </p:grpSpPr>
+      <p:sp>
+        <p:nvSpPr>
+          <p:cNvPr id="4" name="Title 1">
+            <a:extLst>
+              <a:ext uri="{FF2B5EF4-FFF2-40B4-BE49-F238E27FC236}">
+                <a16:creationId xmlns:a16="http://schemas.microsoft.com/office/drawing/2014/main" id="{AEC38E88-A4B8-4AD2-8462-D4D53E9FDC91}"/>
+              </a:ext>
+            </a:extLst>
+          </p:cNvPr>
+          <p:cNvSpPr>
+            <a:spLocks noGrp="1"/>
+          </p:cNvSpPr>
+          <p:nvPr>
+            <p:ph type="title"/>
+          </p:nvPr>
+        </p:nvSpPr>
+        <p:spPr>
+          <a:xfrm>
+            <a:off x="838200" y="365125"/>
+            <a:ext cx="10515600" cy="1325563"/>
+          </a:xfrm>
+        </p:spPr>
+        <p:txBody>
+          <a:bodyPr>
+            <a:normAutofit fontScale="90000"/>
+          </a:bodyPr>
+          <a:lstStyle/>
+          <a:p>
+            <a:r>
+              <a:rPr lang="en-US" b="1" dirty="0"/>
+              <a:t/>
+            </a:r>
+            <a:br>
+              <a:rPr lang="en-US" b="1" dirty="0"/>
+            </a:br>
+            <a:r>
+              <a:rPr lang="en-US" b="1" dirty="0" smtClean="0"/>
+              <a:t/>
+            </a:r>
+            <a:br>
+              <a:rPr lang="en-US" b="1" dirty="0" smtClean="0"/>
+            </a:br>
+            <a:r>
+              <a:rPr lang="en-US" b="1" dirty="0" smtClean="0"/>
+              <a:t/>
+            </a:r>
+            <a:br>
+              <a:rPr lang="en-US" b="1" dirty="0" smtClean="0"/>
+            </a:br>
+            <a:r>
+              <a:rPr lang="en-US" b="1" dirty="0" smtClean="0"/>
+              <a:t/>
+            </a:r>
+            <a:br>
+              <a:rPr lang="en-US" b="1" dirty="0" smtClean="0"/>
+            </a:br>
+            <a:r>
+              <a:rPr lang="en-US" b="1" dirty="0" smtClean="0"/>
+              <a:t>What </a:t>
+            </a:r>
+            <a:r>
+              <a:rPr lang="en-US" b="1" dirty="0"/>
+              <a:t>is Python?</a:t>
+            </a:r>
+            <a:br>
+              <a:rPr lang="en-US" b="1" dirty="0"/>
+            </a:br>
+            <a:r>
+              <a:rPr lang="en-US" dirty="0"/>
+              <a:t/>
+            </a:r>
+            <a:br>
+              <a:rPr lang="en-US" dirty="0"/>
+            </a:br>
+            <a:r>
+              <a:rPr lang="en-US" b="1" dirty="0"/>
+              <a:t/>
+            </a:r>
+            <a:br>
+              <a:rPr lang="en-US" b="1" dirty="0"/>
+            </a:br>
+            <a:r>
+              <a:rPr lang="en-US" b="1" dirty="0"/>
+              <a:t/>
+            </a:r>
+            <a:br>
+              <a:rPr lang="en-US" b="1" dirty="0"/>
+            </a:br>
+            <a:endParaRPr lang="en-US" dirty="0"/>
+          </a:p>
+        </p:txBody>
+      </p:sp>
+      <p:sp>
+        <p:nvSpPr>
+          <p:cNvPr id="5" name="Content Placeholder 2">
+            <a:extLst>
+              <a:ext uri="{FF2B5EF4-FFF2-40B4-BE49-F238E27FC236}">
+                <a16:creationId xmlns:a16="http://schemas.microsoft.com/office/drawing/2014/main" id="{4E7EA824-A56E-4AEB-A3B9-57B58D7844D1}"/>
+              </a:ext>
+            </a:extLst>
+          </p:cNvPr>
+          <p:cNvSpPr>
+            <a:spLocks noGrp="1"/>
+          </p:cNvSpPr>
+          <p:nvPr>
+            <p:ph idx="1"/>
+          </p:nvPr>
+        </p:nvSpPr>
+        <p:spPr>
+          <a:xfrm>
+            <a:off x="838200" y="1825625"/>
+            <a:ext cx="10515600" cy="4351338"/>
+          </a:xfrm>
+        </p:spPr>
+        <p:txBody>
+          <a:bodyPr>
+            <a:normAutofit/>
+          </a:bodyPr>
+          <a:lstStyle/>
+          <a:p>
+            <a:r>
+              <a:rPr lang="en-US" dirty="0"/>
+              <a:t>Python is a cross-platform programming language, meaning, it runs on multiple platforms like Windows, Mac OS X, Linux, Unix and has even been ported to the Java and .NET virtual machines. It is free and open source.</a:t>
+            </a:r>
+          </a:p>
+          <a:p>
+            <a:r>
+              <a:rPr lang="en-US" dirty="0"/>
+              <a:t>Even though most of today’s Linux and Mac have Python preinstalled in it, the version might be out-of-date. So, it is always a good idea to install the most current version. You can </a:t>
+            </a:r>
+            <a:r>
+              <a:rPr lang="en-US" dirty="0">
+                <a:hlinkClick r:id="rId2" tooltip="Download Python"/>
+              </a:rPr>
+              <a:t>download the latest version of Python</a:t>
+            </a:r>
+            <a:r>
+              <a:rPr lang="en-US" dirty="0"/>
+              <a:t> and install it.</a:t>
+            </a:r>
+          </a:p>
+          <a:p>
+            <a:endParaRPr lang="en-US" dirty="0"/>
+          </a:p>
+          <a:p>
+            <a:endParaRPr lang="en-US" dirty="0"/>
+          </a:p>
+          <a:p>
+            <a:endParaRPr lang="en-US" dirty="0"/>
+          </a:p>
+          <a:p>
+            <a:endParaRPr lang="en-US" dirty="0"/>
+          </a:p>
+          <a:p>
+            <a:endParaRPr lang="en-US" dirty="0"/>
+          </a:p>
+          <a:p>
+            <a:endParaRPr lang="en-US" sz="2400" dirty="0"/>
+          </a:p>
+          <a:p>
+            <a:endParaRPr lang="en-US" dirty="0"/>
+          </a:p>
+        </p:txBody>
+      </p:sp>
+    </p:spTree>
+    <p:extLst>
+      <p:ext uri="{BB962C8B-B14F-4D97-AF65-F5344CB8AC3E}">
+        <p14:creationId xmlns:p14="http://schemas.microsoft.com/office/powerpoint/2010/main" val="2007826538"/>
+      </p:ext>
+    </p:extLst>
+  </p:cSld>
+  <p:clrMapOvr>
+    <a:masterClrMapping/>
+  </p:clrMapOvr>
+</p:sld>
+</file>
+
+<file path=ppt/slides/slide16.xml><?xml version="1.0" encoding="utf-8"?>
+<p:sld xmlns:a="http://schemas.openxmlformats.org/drawingml/2006/main" xmlns:r="http://schemas.openxmlformats.org/officeDocument/2006/relationships" xmlns:p="http://schemas.openxmlformats.org/presentationml/2006/main">
+  <p:cSld>
+    <p:spTree>
+      <p:nvGrpSpPr>
+        <p:cNvPr id="1" name=""/>
+        <p:cNvGrpSpPr/>
+        <p:nvPr/>
+      </p:nvGrpSpPr>
+      <p:grpSpPr>
+        <a:xfrm>
+          <a:off x="0" y="0"/>
+          <a:ext cx="0" cy="0"/>
+          <a:chOff x="0" y="0"/>
+          <a:chExt cx="0" cy="0"/>
+        </a:xfrm>
+      </p:grpSpPr>
+      <p:sp>
+        <p:nvSpPr>
+          <p:cNvPr id="4" name="Title 1">
+            <a:extLst>
+              <a:ext uri="{FF2B5EF4-FFF2-40B4-BE49-F238E27FC236}">
+                <a16:creationId xmlns:a16="http://schemas.microsoft.com/office/drawing/2014/main" id="{AEC38E88-A4B8-4AD2-8462-D4D53E9FDC91}"/>
+              </a:ext>
+            </a:extLst>
+          </p:cNvPr>
+          <p:cNvSpPr>
+            <a:spLocks noGrp="1"/>
+          </p:cNvSpPr>
+          <p:nvPr>
+            <p:ph type="title"/>
+          </p:nvPr>
+        </p:nvSpPr>
+        <p:spPr>
+          <a:xfrm>
+            <a:off x="838200" y="365125"/>
+            <a:ext cx="10515600" cy="1325563"/>
+          </a:xfrm>
+        </p:spPr>
+        <p:txBody>
+          <a:bodyPr>
+            <a:normAutofit fontScale="90000"/>
+          </a:bodyPr>
+          <a:lstStyle/>
+          <a:p>
+            <a:r>
+              <a:rPr lang="en-US" b="1" dirty="0"/>
+              <a:t/>
+            </a:r>
+            <a:br>
+              <a:rPr lang="en-US" b="1" dirty="0"/>
+            </a:br>
+            <a:r>
+              <a:rPr lang="en-US" b="1" dirty="0" smtClean="0"/>
+              <a:t/>
+            </a:r>
+            <a:br>
+              <a:rPr lang="en-US" b="1" dirty="0" smtClean="0"/>
+            </a:br>
+            <a:r>
+              <a:rPr lang="en-US" b="1" dirty="0" smtClean="0"/>
+              <a:t/>
+            </a:r>
+            <a:br>
+              <a:rPr lang="en-US" b="1" dirty="0" smtClean="0"/>
+            </a:br>
+            <a:r>
+              <a:rPr lang="en-US" b="1" dirty="0" smtClean="0"/>
+              <a:t/>
+            </a:r>
+            <a:br>
+              <a:rPr lang="en-US" b="1" dirty="0" smtClean="0"/>
+            </a:br>
+            <a:r>
+              <a:rPr lang="en-US" b="1" dirty="0" smtClean="0"/>
+              <a:t/>
+            </a:r>
+            <a:br>
+              <a:rPr lang="en-US" b="1" dirty="0" smtClean="0"/>
+            </a:br>
+            <a:r>
+              <a:rPr lang="en-US" b="1" dirty="0" smtClean="0"/>
+              <a:t>Starting </a:t>
+            </a:r>
+            <a:r>
+              <a:rPr lang="en-US" b="1" dirty="0"/>
+              <a:t>The Interpreter</a:t>
+            </a:r>
+            <a:br>
+              <a:rPr lang="en-US" b="1" dirty="0"/>
+            </a:br>
+            <a:r>
+              <a:rPr lang="en-US" b="1" dirty="0"/>
+              <a:t/>
+            </a:r>
+            <a:br>
+              <a:rPr lang="en-US" b="1" dirty="0"/>
+            </a:br>
+            <a:r>
+              <a:rPr lang="en-US" dirty="0"/>
+              <a:t/>
+            </a:r>
+            <a:br>
+              <a:rPr lang="en-US" dirty="0"/>
+            </a:br>
+            <a:r>
+              <a:rPr lang="en-US" b="1" dirty="0"/>
+              <a:t/>
+            </a:r>
+            <a:br>
+              <a:rPr lang="en-US" b="1" dirty="0"/>
+            </a:br>
+            <a:r>
+              <a:rPr lang="en-US" b="1" dirty="0"/>
+              <a:t/>
+            </a:r>
+            <a:br>
+              <a:rPr lang="en-US" b="1" dirty="0"/>
+            </a:br>
+            <a:endParaRPr lang="en-US" dirty="0"/>
+          </a:p>
+        </p:txBody>
+      </p:sp>
+      <p:sp>
+        <p:nvSpPr>
+          <p:cNvPr id="5" name="Content Placeholder 2">
+            <a:extLst>
+              <a:ext uri="{FF2B5EF4-FFF2-40B4-BE49-F238E27FC236}">
+                <a16:creationId xmlns:a16="http://schemas.microsoft.com/office/drawing/2014/main" id="{4E7EA824-A56E-4AEB-A3B9-57B58D7844D1}"/>
+              </a:ext>
+            </a:extLst>
+          </p:cNvPr>
+          <p:cNvSpPr>
+            <a:spLocks noGrp="1"/>
+          </p:cNvSpPr>
+          <p:nvPr>
+            <p:ph idx="1"/>
+          </p:nvPr>
+        </p:nvSpPr>
+        <p:spPr>
+          <a:xfrm>
+            <a:off x="838200" y="1825625"/>
+            <a:ext cx="10515600" cy="4351338"/>
+          </a:xfrm>
+        </p:spPr>
+        <p:txBody>
+          <a:bodyPr>
+            <a:normAutofit fontScale="85000" lnSpcReduction="20000"/>
+          </a:bodyPr>
+          <a:lstStyle/>
+          <a:p>
+            <a:r>
+              <a:rPr lang="en-US" dirty="0"/>
+              <a:t>After installation, the python interpreter lives in the installed directory.</a:t>
+            </a:r>
+          </a:p>
+          <a:p>
+            <a:endParaRPr lang="en-US" dirty="0"/>
+          </a:p>
+          <a:p>
+            <a:r>
+              <a:rPr lang="en-US" dirty="0"/>
+              <a:t>By default it is /</a:t>
+            </a:r>
+            <a:r>
+              <a:rPr lang="en-US" dirty="0" err="1"/>
+              <a:t>usr</a:t>
+            </a:r>
+            <a:r>
+              <a:rPr lang="en-US" dirty="0"/>
+              <a:t>/local/bin/</a:t>
+            </a:r>
+            <a:r>
+              <a:rPr lang="en-US" dirty="0" err="1"/>
+              <a:t>pythonX.X</a:t>
+            </a:r>
+            <a:r>
+              <a:rPr lang="en-US" dirty="0"/>
+              <a:t> in Linux/Unix and C:\PythonXX in Windows, where the 'X' denotes the version number. To invoke it from the shell or the command prompt we need to add this location in the search path.</a:t>
+            </a:r>
+          </a:p>
+          <a:p>
+            <a:endParaRPr lang="en-US" dirty="0"/>
+          </a:p>
+          <a:p>
+            <a:r>
+              <a:rPr lang="en-US" dirty="0"/>
+              <a:t>Search path is a list of directories (locations) where the operating system searches for executables. For example, in Windows command prompt, we can type set path=%path%;c:\python33 (python33 means version 3.3, it might be different in your case) to add the location to path for that particular session.</a:t>
+            </a:r>
+          </a:p>
+          <a:p>
+            <a:endParaRPr lang="en-US" dirty="0"/>
+          </a:p>
+          <a:p>
+            <a:r>
+              <a:rPr lang="en-US" dirty="0"/>
+              <a:t>In Mac OS we need not worry about this as the installer takes care about the search path.</a:t>
+            </a:r>
+            <a:endParaRPr lang="en-US" dirty="0"/>
+          </a:p>
+          <a:p>
+            <a:endParaRPr lang="en-US" dirty="0"/>
+          </a:p>
+          <a:p>
+            <a:endParaRPr lang="en-US" dirty="0"/>
+          </a:p>
+          <a:p>
+            <a:endParaRPr lang="en-US" dirty="0"/>
+          </a:p>
+          <a:p>
+            <a:endParaRPr lang="en-US" dirty="0"/>
+          </a:p>
+          <a:p>
+            <a:endParaRPr lang="en-US" dirty="0"/>
+          </a:p>
+          <a:p>
+            <a:endParaRPr lang="en-US" dirty="0"/>
+          </a:p>
+          <a:p>
+            <a:endParaRPr lang="en-US" sz="2400" dirty="0"/>
+          </a:p>
+          <a:p>
+            <a:endParaRPr lang="en-US" dirty="0"/>
+          </a:p>
+        </p:txBody>
+      </p:sp>
+    </p:spTree>
+    <p:extLst>
+      <p:ext uri="{BB962C8B-B14F-4D97-AF65-F5344CB8AC3E}">
+        <p14:creationId xmlns:p14="http://schemas.microsoft.com/office/powerpoint/2010/main" val="1921501241"/>
+      </p:ext>
+    </p:extLst>
+  </p:cSld>
+  <p:clrMapOvr>
+    <a:masterClrMapping/>
+  </p:clrMapOvr>
+</p:sld>
+</file>
+
+<file path=ppt/slides/slide17.xml><?xml version="1.0" encoding="utf-8"?>
+<p:sld xmlns:a="http://schemas.openxmlformats.org/drawingml/2006/main" xmlns:r="http://schemas.openxmlformats.org/officeDocument/2006/relationships" xmlns:p="http://schemas.openxmlformats.org/presentationml/2006/main">
+  <p:cSld>
+    <p:spTree>
+      <p:nvGrpSpPr>
+        <p:cNvPr id="1" name=""/>
+        <p:cNvGrpSpPr/>
+        <p:nvPr/>
+      </p:nvGrpSpPr>
+      <p:grpSpPr>
+        <a:xfrm>
+          <a:off x="0" y="0"/>
+          <a:ext cx="0" cy="0"/>
+          <a:chOff x="0" y="0"/>
+          <a:chExt cx="0" cy="0"/>
+        </a:xfrm>
+      </p:grpSpPr>
+      <p:sp>
+        <p:nvSpPr>
+          <p:cNvPr id="4" name="Title 1">
+            <a:extLst>
+              <a:ext uri="{FF2B5EF4-FFF2-40B4-BE49-F238E27FC236}">
+                <a16:creationId xmlns:a16="http://schemas.microsoft.com/office/drawing/2014/main" id="{AEC38E88-A4B8-4AD2-8462-D4D53E9FDC91}"/>
+              </a:ext>
+            </a:extLst>
+          </p:cNvPr>
+          <p:cNvSpPr>
+            <a:spLocks noGrp="1"/>
+          </p:cNvSpPr>
+          <p:nvPr>
+            <p:ph type="title"/>
+          </p:nvPr>
+        </p:nvSpPr>
+        <p:spPr>
+          <a:xfrm>
+            <a:off x="838200" y="365125"/>
+            <a:ext cx="10515600" cy="1325563"/>
+          </a:xfrm>
+        </p:spPr>
+        <p:txBody>
+          <a:bodyPr>
+            <a:normAutofit fontScale="90000"/>
+          </a:bodyPr>
+          <a:lstStyle/>
+          <a:p>
+            <a:r>
+              <a:rPr lang="en-US" b="1" dirty="0"/>
+              <a:t/>
+            </a:r>
+            <a:br>
+              <a:rPr lang="en-US" b="1" dirty="0"/>
+            </a:br>
+            <a:r>
+              <a:rPr lang="en-US" b="1" dirty="0" smtClean="0"/>
+              <a:t/>
+            </a:r>
+            <a:br>
+              <a:rPr lang="en-US" b="1" dirty="0" smtClean="0"/>
+            </a:br>
+            <a:r>
+              <a:rPr lang="en-US" b="1" dirty="0" smtClean="0"/>
+              <a:t/>
+            </a:r>
+            <a:br>
+              <a:rPr lang="en-US" b="1" dirty="0" smtClean="0"/>
+            </a:br>
+            <a:r>
+              <a:rPr lang="en-US" b="1" dirty="0" smtClean="0"/>
+              <a:t/>
+            </a:r>
+            <a:br>
+              <a:rPr lang="en-US" b="1" dirty="0" smtClean="0"/>
+            </a:br>
+            <a:r>
+              <a:rPr lang="en-US" b="1" dirty="0" smtClean="0"/>
+              <a:t/>
+            </a:r>
+            <a:br>
+              <a:rPr lang="en-US" b="1" dirty="0" smtClean="0"/>
+            </a:br>
+            <a:r>
+              <a:rPr lang="en-US" dirty="0" smtClean="0"/>
+              <a:t>Various </a:t>
+            </a:r>
+            <a:r>
+              <a:rPr lang="en-US" dirty="0"/>
+              <a:t>ways to start </a:t>
+            </a:r>
+            <a:r>
+              <a:rPr lang="en-US" dirty="0" smtClean="0"/>
+              <a:t>Python</a:t>
+            </a:r>
+            <a:r>
+              <a:rPr lang="en-US" b="1" dirty="0"/>
+              <a:t/>
+            </a:r>
+            <a:br>
+              <a:rPr lang="en-US" b="1" dirty="0"/>
+            </a:br>
+            <a:r>
+              <a:rPr lang="en-US" b="1" dirty="0"/>
+              <a:t/>
+            </a:r>
+            <a:br>
+              <a:rPr lang="en-US" b="1" dirty="0"/>
+            </a:br>
+            <a:r>
+              <a:rPr lang="en-US" dirty="0"/>
+              <a:t/>
+            </a:r>
+            <a:br>
+              <a:rPr lang="en-US" dirty="0"/>
+            </a:br>
+            <a:r>
+              <a:rPr lang="en-US" b="1" dirty="0"/>
+              <a:t/>
+            </a:r>
+            <a:br>
+              <a:rPr lang="en-US" b="1" dirty="0"/>
+            </a:br>
+            <a:r>
+              <a:rPr lang="en-US" b="1" dirty="0"/>
+              <a:t/>
+            </a:r>
+            <a:br>
+              <a:rPr lang="en-US" b="1" dirty="0"/>
+            </a:br>
+            <a:endParaRPr lang="en-US" dirty="0"/>
+          </a:p>
+        </p:txBody>
+      </p:sp>
+      <p:sp>
+        <p:nvSpPr>
+          <p:cNvPr id="5" name="Content Placeholder 2">
+            <a:extLst>
+              <a:ext uri="{FF2B5EF4-FFF2-40B4-BE49-F238E27FC236}">
+                <a16:creationId xmlns:a16="http://schemas.microsoft.com/office/drawing/2014/main" id="{4E7EA824-A56E-4AEB-A3B9-57B58D7844D1}"/>
+              </a:ext>
+            </a:extLst>
+          </p:cNvPr>
+          <p:cNvSpPr>
+            <a:spLocks noGrp="1"/>
+          </p:cNvSpPr>
+          <p:nvPr>
+            <p:ph idx="1"/>
+          </p:nvPr>
+        </p:nvSpPr>
+        <p:spPr>
+          <a:xfrm>
+            <a:off x="838200" y="1825625"/>
+            <a:ext cx="10515600" cy="4351338"/>
+          </a:xfrm>
+        </p:spPr>
+        <p:txBody>
+          <a:bodyPr>
+            <a:normAutofit/>
+          </a:bodyPr>
+          <a:lstStyle/>
+          <a:p>
+            <a:r>
+              <a:rPr lang="en-US" dirty="0" smtClean="0"/>
+              <a:t> </a:t>
+            </a:r>
+            <a:r>
+              <a:rPr lang="en-US" dirty="0"/>
+              <a:t>Immediate </a:t>
+            </a:r>
+            <a:r>
+              <a:rPr lang="en-US" dirty="0" smtClean="0"/>
+              <a:t>mode                                                                                        Typing </a:t>
+            </a:r>
+            <a:r>
+              <a:rPr lang="en-US" dirty="0"/>
+              <a:t>python in the command line will invoke the interpreter in immediate mode. We can directly type in Python expressions and press enter to get the output. </a:t>
+            </a:r>
+            <a:r>
+              <a:rPr lang="en-US" dirty="0" smtClean="0"/>
+              <a:t>                                                                  &gt;&gt;&gt; is </a:t>
+            </a:r>
+            <a:r>
+              <a:rPr lang="en-US" dirty="0"/>
+              <a:t>the Python prompt. It tells us that the interpreter is ready for our input. Try typing in 1 + 1 and press enter. We get 2 as the output. This prompt can be used as a calculator. To exit this mode type exit() or quit() and press enter.</a:t>
+            </a:r>
+          </a:p>
+          <a:p>
+            <a:endParaRPr lang="en-US" dirty="0"/>
+          </a:p>
+          <a:p>
+            <a:endParaRPr lang="en-US" dirty="0"/>
+          </a:p>
+          <a:p>
+            <a:endParaRPr lang="en-US" dirty="0"/>
+          </a:p>
+          <a:p>
+            <a:endParaRPr lang="en-US" dirty="0"/>
+          </a:p>
+          <a:p>
+            <a:endParaRPr lang="en-US" dirty="0"/>
+          </a:p>
+          <a:p>
+            <a:endParaRPr lang="en-US" dirty="0"/>
+          </a:p>
+          <a:p>
+            <a:endParaRPr lang="en-US" dirty="0"/>
+          </a:p>
+          <a:p>
+            <a:endParaRPr lang="en-US" sz="2400" dirty="0"/>
+          </a:p>
+          <a:p>
+            <a:endParaRPr lang="en-US" dirty="0"/>
+          </a:p>
+        </p:txBody>
+      </p:sp>
+    </p:spTree>
+    <p:extLst>
+      <p:ext uri="{BB962C8B-B14F-4D97-AF65-F5344CB8AC3E}">
+        <p14:creationId xmlns:p14="http://schemas.microsoft.com/office/powerpoint/2010/main" val="550061383"/>
+      </p:ext>
+    </p:extLst>
+  </p:cSld>
+  <p:clrMapOvr>
+    <a:masterClrMapping/>
+  </p:clrMapOvr>
+</p:sld>
+</file>
+
+<file path=ppt/slides/slide18.xml><?xml version="1.0" encoding="utf-8"?>
+<p:sld xmlns:a="http://schemas.openxmlformats.org/drawingml/2006/main" xmlns:r="http://schemas.openxmlformats.org/officeDocument/2006/relationships" xmlns:p="http://schemas.openxmlformats.org/presentationml/2006/main">
+  <p:cSld>
+    <p:spTree>
+      <p:nvGrpSpPr>
+        <p:cNvPr id="1" name=""/>
+        <p:cNvGrpSpPr/>
+        <p:nvPr/>
+      </p:nvGrpSpPr>
+      <p:grpSpPr>
+        <a:xfrm>
+          <a:off x="0" y="0"/>
+          <a:ext cx="0" cy="0"/>
+          <a:chOff x="0" y="0"/>
+          <a:chExt cx="0" cy="0"/>
+        </a:xfrm>
+      </p:grpSpPr>
+      <p:sp>
+        <p:nvSpPr>
+          <p:cNvPr id="4" name="Title 1">
+            <a:extLst>
+              <a:ext uri="{FF2B5EF4-FFF2-40B4-BE49-F238E27FC236}">
+                <a16:creationId xmlns:a16="http://schemas.microsoft.com/office/drawing/2014/main" id="{AEC38E88-A4B8-4AD2-8462-D4D53E9FDC91}"/>
+              </a:ext>
+            </a:extLst>
+          </p:cNvPr>
+          <p:cNvSpPr>
+            <a:spLocks noGrp="1"/>
+          </p:cNvSpPr>
+          <p:nvPr>
+            <p:ph type="title"/>
+          </p:nvPr>
+        </p:nvSpPr>
+        <p:spPr>
+          <a:xfrm>
+            <a:off x="838200" y="365125"/>
+            <a:ext cx="10515600" cy="1325563"/>
+          </a:xfrm>
+        </p:spPr>
+        <p:txBody>
+          <a:bodyPr>
+            <a:normAutofit fontScale="90000"/>
+          </a:bodyPr>
+          <a:lstStyle/>
+          <a:p>
+            <a:r>
+              <a:rPr lang="en-US" b="1" dirty="0"/>
+              <a:t/>
+            </a:r>
+            <a:br>
+              <a:rPr lang="en-US" b="1" dirty="0"/>
+            </a:br>
+            <a:r>
+              <a:rPr lang="en-US" b="1" dirty="0" smtClean="0"/>
+              <a:t/>
+            </a:r>
+            <a:br>
+              <a:rPr lang="en-US" b="1" dirty="0" smtClean="0"/>
+            </a:br>
+            <a:r>
+              <a:rPr lang="en-US" b="1" dirty="0" smtClean="0"/>
+              <a:t/>
+            </a:r>
+            <a:br>
+              <a:rPr lang="en-US" b="1" dirty="0" smtClean="0"/>
+            </a:br>
+            <a:r>
+              <a:rPr lang="en-US" b="1" dirty="0" smtClean="0"/>
+              <a:t/>
+            </a:r>
+            <a:br>
+              <a:rPr lang="en-US" b="1" dirty="0" smtClean="0"/>
+            </a:br>
+            <a:r>
+              <a:rPr lang="en-US" b="1" dirty="0" smtClean="0"/>
+              <a:t/>
+            </a:r>
+            <a:br>
+              <a:rPr lang="en-US" b="1" dirty="0" smtClean="0"/>
+            </a:br>
+            <a:r>
+              <a:rPr lang="en-US" dirty="0" smtClean="0"/>
+              <a:t>Various </a:t>
+            </a:r>
+            <a:r>
+              <a:rPr lang="en-US" dirty="0"/>
+              <a:t>ways to start </a:t>
+            </a:r>
+            <a:r>
+              <a:rPr lang="en-US" dirty="0" smtClean="0"/>
+              <a:t>Python.. Cont..</a:t>
+            </a:r>
+            <a:r>
+              <a:rPr lang="en-US" b="1" dirty="0"/>
+              <a:t/>
+            </a:r>
+            <a:br>
+              <a:rPr lang="en-US" b="1" dirty="0"/>
+            </a:br>
+            <a:r>
+              <a:rPr lang="en-US" b="1" dirty="0"/>
+              <a:t/>
+            </a:r>
+            <a:br>
+              <a:rPr lang="en-US" b="1" dirty="0"/>
+            </a:br>
+            <a:r>
+              <a:rPr lang="en-US" dirty="0"/>
+              <a:t/>
+            </a:r>
+            <a:br>
+              <a:rPr lang="en-US" dirty="0"/>
+            </a:br>
+            <a:r>
+              <a:rPr lang="en-US" b="1" dirty="0"/>
+              <a:t/>
+            </a:r>
+            <a:br>
+              <a:rPr lang="en-US" b="1" dirty="0"/>
+            </a:br>
+            <a:r>
+              <a:rPr lang="en-US" b="1" dirty="0"/>
+              <a:t/>
+            </a:r>
+            <a:br>
+              <a:rPr lang="en-US" b="1" dirty="0"/>
+            </a:br>
+            <a:endParaRPr lang="en-US" dirty="0"/>
+          </a:p>
+        </p:txBody>
+      </p:sp>
+      <p:sp>
+        <p:nvSpPr>
+          <p:cNvPr id="5" name="Content Placeholder 2">
+            <a:extLst>
+              <a:ext uri="{FF2B5EF4-FFF2-40B4-BE49-F238E27FC236}">
+                <a16:creationId xmlns:a16="http://schemas.microsoft.com/office/drawing/2014/main" id="{4E7EA824-A56E-4AEB-A3B9-57B58D7844D1}"/>
+              </a:ext>
+            </a:extLst>
+          </p:cNvPr>
+          <p:cNvSpPr>
+            <a:spLocks noGrp="1"/>
+          </p:cNvSpPr>
+          <p:nvPr>
+            <p:ph idx="1"/>
+          </p:nvPr>
+        </p:nvSpPr>
+        <p:spPr>
+          <a:xfrm>
+            <a:off x="838200" y="1825625"/>
+            <a:ext cx="10515600" cy="4351338"/>
+          </a:xfrm>
+        </p:spPr>
+        <p:txBody>
+          <a:bodyPr>
+            <a:normAutofit lnSpcReduction="10000"/>
+          </a:bodyPr>
+          <a:lstStyle/>
+          <a:p>
+            <a:r>
+              <a:rPr lang="en-US" dirty="0" smtClean="0"/>
+              <a:t> Script </a:t>
+            </a:r>
+            <a:r>
+              <a:rPr lang="en-US" dirty="0"/>
+              <a:t>mode                                                                                                     This mode is used to execute Python program written in a file. Such a file is called a script. Scripts can be saved to disk for future use. Python scripts have the extension .</a:t>
+            </a:r>
+            <a:r>
+              <a:rPr lang="en-US" dirty="0" err="1"/>
+              <a:t>py</a:t>
+            </a:r>
+            <a:r>
+              <a:rPr lang="en-US" dirty="0"/>
+              <a:t>, meaning that the filename ends with .</a:t>
+            </a:r>
+            <a:r>
+              <a:rPr lang="en-US" dirty="0" err="1"/>
+              <a:t>py</a:t>
+            </a:r>
+            <a:r>
+              <a:rPr lang="en-US" dirty="0"/>
+              <a:t>.</a:t>
+            </a:r>
+          </a:p>
+          <a:p>
+            <a:endParaRPr lang="en-US" dirty="0"/>
+          </a:p>
+          <a:p>
+            <a:r>
+              <a:rPr lang="en-US" dirty="0"/>
+              <a:t>For example: helloWorld.py</a:t>
+            </a:r>
+          </a:p>
+          <a:p>
+            <a:endParaRPr lang="en-US" dirty="0"/>
+          </a:p>
+          <a:p>
+            <a:r>
+              <a:rPr lang="en-US" dirty="0"/>
+              <a:t>To execute this file in script mode we simply write python helloWorld.py at the command prompt.</a:t>
+            </a:r>
+          </a:p>
+          <a:p>
+            <a:endParaRPr lang="en-US" dirty="0"/>
+          </a:p>
+          <a:p>
+            <a:endParaRPr lang="en-US" dirty="0"/>
+          </a:p>
+          <a:p>
+            <a:endParaRPr lang="en-US" dirty="0"/>
+          </a:p>
+          <a:p>
+            <a:endParaRPr lang="en-US" dirty="0"/>
+          </a:p>
+          <a:p>
+            <a:endParaRPr lang="en-US" dirty="0"/>
+          </a:p>
+          <a:p>
+            <a:endParaRPr lang="en-US" dirty="0"/>
+          </a:p>
+          <a:p>
+            <a:endParaRPr lang="en-US" dirty="0"/>
+          </a:p>
+          <a:p>
+            <a:endParaRPr lang="en-US" sz="2400" dirty="0"/>
+          </a:p>
+          <a:p>
+            <a:endParaRPr lang="en-US" dirty="0"/>
+          </a:p>
+        </p:txBody>
+      </p:sp>
+    </p:spTree>
+    <p:extLst>
+      <p:ext uri="{BB962C8B-B14F-4D97-AF65-F5344CB8AC3E}">
+        <p14:creationId xmlns:p14="http://schemas.microsoft.com/office/powerpoint/2010/main" val="3701178847"/>
+      </p:ext>
+    </p:extLst>
+  </p:cSld>
+  <p:clrMapOvr>
+    <a:masterClrMapping/>
+  </p:clrMapOvr>
+</p:sld>
+</file>
+
+<file path=ppt/slides/slide19.xml><?xml version="1.0" encoding="utf-8"?>
+<p:sld xmlns:a="http://schemas.openxmlformats.org/drawingml/2006/main" xmlns:r="http://schemas.openxmlformats.org/officeDocument/2006/relationships" xmlns:p="http://schemas.openxmlformats.org/presentationml/2006/main">
+  <p:cSld>
+    <p:spTree>
+      <p:nvGrpSpPr>
+        <p:cNvPr id="1" name=""/>
+        <p:cNvGrpSpPr/>
+        <p:nvPr/>
+      </p:nvGrpSpPr>
+      <p:grpSpPr>
+        <a:xfrm>
+          <a:off x="0" y="0"/>
+          <a:ext cx="0" cy="0"/>
+          <a:chOff x="0" y="0"/>
+          <a:chExt cx="0" cy="0"/>
+        </a:xfrm>
+      </p:grpSpPr>
+      <p:sp>
+        <p:nvSpPr>
+          <p:cNvPr id="4" name="Title 1">
+            <a:extLst>
+              <a:ext uri="{FF2B5EF4-FFF2-40B4-BE49-F238E27FC236}">
+                <a16:creationId xmlns:a16="http://schemas.microsoft.com/office/drawing/2014/main" id="{AEC38E88-A4B8-4AD2-8462-D4D53E9FDC91}"/>
+              </a:ext>
+            </a:extLst>
+          </p:cNvPr>
+          <p:cNvSpPr>
+            <a:spLocks noGrp="1"/>
+          </p:cNvSpPr>
+          <p:nvPr>
+            <p:ph type="title"/>
+          </p:nvPr>
+        </p:nvSpPr>
+        <p:spPr>
+          <a:xfrm>
+            <a:off x="838200" y="365125"/>
+            <a:ext cx="10515600" cy="1325563"/>
+          </a:xfrm>
+        </p:spPr>
+        <p:txBody>
+          <a:bodyPr>
+            <a:normAutofit fontScale="90000"/>
+          </a:bodyPr>
+          <a:lstStyle/>
+          <a:p>
+            <a:r>
+              <a:rPr lang="en-US" b="1" dirty="0"/>
+              <a:t/>
+            </a:r>
+            <a:br>
+              <a:rPr lang="en-US" b="1" dirty="0"/>
+            </a:br>
+            <a:r>
+              <a:rPr lang="en-US" b="1" dirty="0" smtClean="0"/>
+              <a:t/>
+            </a:r>
+            <a:br>
+              <a:rPr lang="en-US" b="1" dirty="0" smtClean="0"/>
+            </a:br>
+            <a:r>
+              <a:rPr lang="en-US" b="1" dirty="0" smtClean="0"/>
+              <a:t/>
+            </a:r>
+            <a:br>
+              <a:rPr lang="en-US" b="1" dirty="0" smtClean="0"/>
+            </a:br>
+            <a:r>
+              <a:rPr lang="en-US" b="1" dirty="0" smtClean="0"/>
+              <a:t/>
+            </a:r>
+            <a:br>
+              <a:rPr lang="en-US" b="1" dirty="0" smtClean="0"/>
+            </a:br>
+            <a:r>
+              <a:rPr lang="en-US" b="1" dirty="0" smtClean="0"/>
+              <a:t/>
+            </a:r>
+            <a:br>
+              <a:rPr lang="en-US" b="1" dirty="0" smtClean="0"/>
+            </a:br>
+            <a:r>
+              <a:rPr lang="en-US" dirty="0" smtClean="0"/>
+              <a:t>Various </a:t>
+            </a:r>
+            <a:r>
+              <a:rPr lang="en-US" dirty="0"/>
+              <a:t>ways to start </a:t>
+            </a:r>
+            <a:r>
+              <a:rPr lang="en-US" dirty="0" smtClean="0"/>
+              <a:t>Python.. Cont..</a:t>
+            </a:r>
+            <a:r>
+              <a:rPr lang="en-US" b="1" dirty="0"/>
+              <a:t/>
+            </a:r>
+            <a:br>
+              <a:rPr lang="en-US" b="1" dirty="0"/>
+            </a:br>
+            <a:r>
+              <a:rPr lang="en-US" b="1" dirty="0"/>
+              <a:t/>
+            </a:r>
+            <a:br>
+              <a:rPr lang="en-US" b="1" dirty="0"/>
+            </a:br>
+            <a:r>
+              <a:rPr lang="en-US" dirty="0"/>
+              <a:t/>
+            </a:r>
+            <a:br>
+              <a:rPr lang="en-US" dirty="0"/>
+            </a:br>
+            <a:r>
+              <a:rPr lang="en-US" b="1" dirty="0"/>
+              <a:t/>
+            </a:r>
+            <a:br>
+              <a:rPr lang="en-US" b="1" dirty="0"/>
+            </a:br>
+            <a:r>
+              <a:rPr lang="en-US" b="1" dirty="0"/>
+              <a:t/>
+            </a:r>
+            <a:br>
+              <a:rPr lang="en-US" b="1" dirty="0"/>
+            </a:br>
+            <a:endParaRPr lang="en-US" dirty="0"/>
+          </a:p>
+        </p:txBody>
+      </p:sp>
+      <p:sp>
+        <p:nvSpPr>
+          <p:cNvPr id="5" name="Content Placeholder 2">
+            <a:extLst>
+              <a:ext uri="{FF2B5EF4-FFF2-40B4-BE49-F238E27FC236}">
+                <a16:creationId xmlns:a16="http://schemas.microsoft.com/office/drawing/2014/main" id="{4E7EA824-A56E-4AEB-A3B9-57B58D7844D1}"/>
+              </a:ext>
+            </a:extLst>
+          </p:cNvPr>
+          <p:cNvSpPr>
+            <a:spLocks noGrp="1"/>
+          </p:cNvSpPr>
+          <p:nvPr>
+            <p:ph idx="1"/>
+          </p:nvPr>
+        </p:nvSpPr>
+        <p:spPr>
+          <a:xfrm>
+            <a:off x="838200" y="1825625"/>
+            <a:ext cx="10515600" cy="4351338"/>
+          </a:xfrm>
+        </p:spPr>
+        <p:txBody>
+          <a:bodyPr>
+            <a:normAutofit fontScale="92500" lnSpcReduction="10000"/>
+          </a:bodyPr>
+          <a:lstStyle/>
+          <a:p>
+            <a:r>
+              <a:rPr lang="en-US" dirty="0" smtClean="0"/>
+              <a:t> </a:t>
+            </a:r>
+            <a:r>
+              <a:rPr lang="en-US" b="1" dirty="0"/>
+              <a:t>Integrated Development Environment (</a:t>
+            </a:r>
+            <a:r>
+              <a:rPr lang="en-US" b="1" dirty="0" smtClean="0"/>
+              <a:t>IDE</a:t>
+            </a:r>
+            <a:r>
+              <a:rPr lang="en-US" b="1" dirty="0"/>
+              <a:t>) </a:t>
+            </a:r>
+            <a:r>
+              <a:rPr lang="en-US" b="1" dirty="0" smtClean="0"/>
+              <a:t>                                                                                                </a:t>
+            </a:r>
+            <a:r>
+              <a:rPr lang="en-US" dirty="0" smtClean="0"/>
+              <a:t>We </a:t>
+            </a:r>
+            <a:r>
+              <a:rPr lang="en-US" dirty="0"/>
+              <a:t>can use any text editing software to write a Python script </a:t>
+            </a:r>
+            <a:r>
+              <a:rPr lang="en-US" dirty="0" smtClean="0"/>
+              <a:t>file.                                                           We </a:t>
+            </a:r>
+            <a:r>
+              <a:rPr lang="en-US" dirty="0"/>
+              <a:t>just need to save it with the .</a:t>
+            </a:r>
+            <a:r>
+              <a:rPr lang="en-US" dirty="0" err="1"/>
+              <a:t>py</a:t>
+            </a:r>
+            <a:r>
+              <a:rPr lang="en-US" dirty="0"/>
+              <a:t> extension. But using an IDE can make our life a lot easier. IDE is a piece of software that provides useful features like code hinting, syntax highlighting and checking, file explorers etc. to the programmer for application </a:t>
+            </a:r>
+            <a:r>
+              <a:rPr lang="en-US" dirty="0" smtClean="0"/>
+              <a:t>development.                                                                                                                             Using </a:t>
+            </a:r>
+            <a:r>
+              <a:rPr lang="en-US" dirty="0"/>
+              <a:t>an IDE can get rid of redundant tasks and significantly decrease the time required for application </a:t>
+            </a:r>
+            <a:r>
+              <a:rPr lang="en-US" dirty="0" smtClean="0"/>
+              <a:t>development.                                                                            IDEL </a:t>
+            </a:r>
+            <a:r>
+              <a:rPr lang="en-US" dirty="0"/>
+              <a:t>is a graphical user interface (GUI) that can be installed along with the Python programming language and is available from the official </a:t>
+            </a:r>
+            <a:r>
+              <a:rPr lang="en-US" dirty="0" smtClean="0"/>
+              <a:t>website.                We </a:t>
+            </a:r>
+            <a:r>
+              <a:rPr lang="en-US" dirty="0"/>
+              <a:t>can also use other commercial or free IDE according to our preference. We have used the </a:t>
+            </a:r>
+            <a:r>
+              <a:rPr lang="en-US" dirty="0" err="1"/>
+              <a:t>PyScripter</a:t>
+            </a:r>
+            <a:r>
+              <a:rPr lang="en-US" dirty="0"/>
+              <a:t> IDE for our testing and we recommend the same. It is free and open source.</a:t>
+            </a:r>
+          </a:p>
+          <a:p>
+            <a:endParaRPr lang="en-US" dirty="0"/>
+          </a:p>
+          <a:p>
+            <a:endParaRPr lang="en-US" dirty="0"/>
+          </a:p>
+          <a:p>
+            <a:endParaRPr lang="en-US" dirty="0"/>
+          </a:p>
+          <a:p>
+            <a:endParaRPr lang="en-US" dirty="0"/>
+          </a:p>
+          <a:p>
+            <a:endParaRPr lang="en-US" dirty="0"/>
+          </a:p>
+          <a:p>
+            <a:endParaRPr lang="en-US" dirty="0"/>
+          </a:p>
+          <a:p>
+            <a:endParaRPr lang="en-US" dirty="0"/>
+          </a:p>
+          <a:p>
+            <a:endParaRPr lang="en-US" sz="2400" dirty="0"/>
+          </a:p>
+          <a:p>
+            <a:endParaRPr lang="en-US" dirty="0"/>
+          </a:p>
+        </p:txBody>
+      </p:sp>
+    </p:spTree>
+    <p:extLst>
+      <p:ext uri="{BB962C8B-B14F-4D97-AF65-F5344CB8AC3E}">
+        <p14:creationId xmlns:p14="http://schemas.microsoft.com/office/powerpoint/2010/main" val="4113337874"/>
+      </p:ext>
+    </p:extLst>
+  </p:cSld>
+  <p:clrMapOvr>
+    <a:masterClrMapping/>
+  </p:clrMapOvr>
+</p:sld>
+</file>
+
 <file path=ppt/slides/slide2.xml><?xml version="1.0" encoding="utf-8"?>
 <p:sld xmlns:a="http://schemas.openxmlformats.org/drawingml/2006/main" xmlns:r="http://schemas.openxmlformats.org/officeDocument/2006/relationships" xmlns:p="http://schemas.openxmlformats.org/presentationml/2006/main">
   <p:cSld>
@@ -4494,7 +5682,6 @@
               <a:rPr lang="en-US" dirty="0"/>
               <a:t>Definitive Guide</a:t>
             </a:r>
-            <a:endParaRPr lang="en-US" dirty="0"/>
           </a:p>
         </p:txBody>
       </p:sp>
@@ -4564,6 +5751,602 @@
     <p:extLst>
       <p:ext uri="{BB962C8B-B14F-4D97-AF65-F5344CB8AC3E}">
         <p14:creationId xmlns:p14="http://schemas.microsoft.com/office/powerpoint/2010/main" val="3808093803"/>
+      </p:ext>
+    </p:extLst>
+  </p:cSld>
+  <p:clrMapOvr>
+    <a:masterClrMapping/>
+  </p:clrMapOvr>
+</p:sld>
+</file>
+
+<file path=ppt/slides/slide20.xml><?xml version="1.0" encoding="utf-8"?>
+<p:sld xmlns:a="http://schemas.openxmlformats.org/drawingml/2006/main" xmlns:r="http://schemas.openxmlformats.org/officeDocument/2006/relationships" xmlns:p="http://schemas.openxmlformats.org/presentationml/2006/main">
+  <p:cSld>
+    <p:spTree>
+      <p:nvGrpSpPr>
+        <p:cNvPr id="1" name=""/>
+        <p:cNvGrpSpPr/>
+        <p:nvPr/>
+      </p:nvGrpSpPr>
+      <p:grpSpPr>
+        <a:xfrm>
+          <a:off x="0" y="0"/>
+          <a:ext cx="0" cy="0"/>
+          <a:chOff x="0" y="0"/>
+          <a:chExt cx="0" cy="0"/>
+        </a:xfrm>
+      </p:grpSpPr>
+      <p:sp>
+        <p:nvSpPr>
+          <p:cNvPr id="4" name="Title 1">
+            <a:extLst>
+              <a:ext uri="{FF2B5EF4-FFF2-40B4-BE49-F238E27FC236}">
+                <a16:creationId xmlns:a16="http://schemas.microsoft.com/office/drawing/2014/main" id="{AEC38E88-A4B8-4AD2-8462-D4D53E9FDC91}"/>
+              </a:ext>
+            </a:extLst>
+          </p:cNvPr>
+          <p:cNvSpPr>
+            <a:spLocks noGrp="1"/>
+          </p:cNvSpPr>
+          <p:nvPr>
+            <p:ph type="title"/>
+          </p:nvPr>
+        </p:nvSpPr>
+        <p:spPr>
+          <a:xfrm>
+            <a:off x="838200" y="365125"/>
+            <a:ext cx="10515600" cy="1325563"/>
+          </a:xfrm>
+        </p:spPr>
+        <p:txBody>
+          <a:bodyPr>
+            <a:normAutofit fontScale="90000"/>
+          </a:bodyPr>
+          <a:lstStyle/>
+          <a:p>
+            <a:r>
+              <a:rPr lang="en-US" b="1" dirty="0"/>
+              <a:t/>
+            </a:r>
+            <a:br>
+              <a:rPr lang="en-US" b="1" dirty="0"/>
+            </a:br>
+            <a:r>
+              <a:rPr lang="en-US" b="1" dirty="0" smtClean="0"/>
+              <a:t/>
+            </a:r>
+            <a:br>
+              <a:rPr lang="en-US" b="1" dirty="0" smtClean="0"/>
+            </a:br>
+            <a:r>
+              <a:rPr lang="en-US" b="1" dirty="0" smtClean="0"/>
+              <a:t/>
+            </a:r>
+            <a:br>
+              <a:rPr lang="en-US" b="1" dirty="0" smtClean="0"/>
+            </a:br>
+            <a:r>
+              <a:rPr lang="en-US" b="1" dirty="0" smtClean="0"/>
+              <a:t/>
+            </a:r>
+            <a:br>
+              <a:rPr lang="en-US" b="1" dirty="0" smtClean="0"/>
+            </a:br>
+            <a:r>
+              <a:rPr lang="en-US" b="1" dirty="0" smtClean="0"/>
+              <a:t/>
+            </a:r>
+            <a:br>
+              <a:rPr lang="en-US" b="1" dirty="0" smtClean="0"/>
+            </a:br>
+            <a:r>
+              <a:rPr lang="en-US" b="1" dirty="0" smtClean="0"/>
+              <a:t/>
+            </a:r>
+            <a:br>
+              <a:rPr lang="en-US" b="1" dirty="0" smtClean="0"/>
+            </a:br>
+            <a:r>
+              <a:rPr lang="en-US" b="1" dirty="0" smtClean="0"/>
+              <a:t>Hello </a:t>
+            </a:r>
+            <a:r>
+              <a:rPr lang="en-US" b="1" dirty="0"/>
+              <a:t>World Example</a:t>
+            </a:r>
+            <a:br>
+              <a:rPr lang="en-US" b="1" dirty="0"/>
+            </a:br>
+            <a:r>
+              <a:rPr lang="en-US" b="1" dirty="0"/>
+              <a:t/>
+            </a:r>
+            <a:br>
+              <a:rPr lang="en-US" b="1" dirty="0"/>
+            </a:br>
+            <a:r>
+              <a:rPr lang="en-US" b="1" dirty="0"/>
+              <a:t/>
+            </a:r>
+            <a:br>
+              <a:rPr lang="en-US" b="1" dirty="0"/>
+            </a:br>
+            <a:r>
+              <a:rPr lang="en-US" dirty="0"/>
+              <a:t/>
+            </a:r>
+            <a:br>
+              <a:rPr lang="en-US" dirty="0"/>
+            </a:br>
+            <a:r>
+              <a:rPr lang="en-US" b="1" dirty="0"/>
+              <a:t/>
+            </a:r>
+            <a:br>
+              <a:rPr lang="en-US" b="1" dirty="0"/>
+            </a:br>
+            <a:r>
+              <a:rPr lang="en-US" b="1" dirty="0"/>
+              <a:t/>
+            </a:r>
+            <a:br>
+              <a:rPr lang="en-US" b="1" dirty="0"/>
+            </a:br>
+            <a:endParaRPr lang="en-US" dirty="0"/>
+          </a:p>
+        </p:txBody>
+      </p:sp>
+      <p:sp>
+        <p:nvSpPr>
+          <p:cNvPr id="5" name="Content Placeholder 2">
+            <a:extLst>
+              <a:ext uri="{FF2B5EF4-FFF2-40B4-BE49-F238E27FC236}">
+                <a16:creationId xmlns:a16="http://schemas.microsoft.com/office/drawing/2014/main" id="{4E7EA824-A56E-4AEB-A3B9-57B58D7844D1}"/>
+              </a:ext>
+            </a:extLst>
+          </p:cNvPr>
+          <p:cNvSpPr>
+            <a:spLocks noGrp="1"/>
+          </p:cNvSpPr>
+          <p:nvPr>
+            <p:ph idx="1"/>
+          </p:nvPr>
+        </p:nvSpPr>
+        <p:spPr>
+          <a:xfrm>
+            <a:off x="838200" y="1825625"/>
+            <a:ext cx="10515600" cy="4351338"/>
+          </a:xfrm>
+        </p:spPr>
+        <p:txBody>
+          <a:bodyPr>
+            <a:normAutofit fontScale="62500" lnSpcReduction="20000"/>
+          </a:bodyPr>
+          <a:lstStyle/>
+          <a:p>
+            <a:r>
+              <a:rPr lang="en-US" dirty="0" smtClean="0"/>
+              <a:t> </a:t>
+            </a:r>
+            <a:r>
+              <a:rPr lang="en-US" dirty="0"/>
+              <a:t>Now that we have Python up and running, we can continue on to write our first Python </a:t>
+            </a:r>
+            <a:r>
+              <a:rPr lang="en-US" dirty="0" smtClean="0"/>
+              <a:t>program.                                                                                                                                                                                                                     Type </a:t>
+            </a:r>
+            <a:r>
+              <a:rPr lang="en-US" dirty="0"/>
+              <a:t>the following code in any text editor or an IDE and save it as helloWorld.py</a:t>
+            </a:r>
+          </a:p>
+          <a:p>
+            <a:pPr marL="0" indent="0">
+              <a:buNone/>
+            </a:pPr>
+            <a:r>
+              <a:rPr lang="en-US" dirty="0" smtClean="0"/>
+              <a:t>       print</a:t>
+            </a:r>
+            <a:r>
+              <a:rPr lang="en-US" dirty="0"/>
+              <a:t>("Hello world!")</a:t>
+            </a:r>
+          </a:p>
+          <a:p>
+            <a:pPr marL="0" indent="0">
+              <a:buNone/>
+            </a:pPr>
+            <a:r>
+              <a:rPr lang="en-US" dirty="0" smtClean="0"/>
+              <a:t>     Now </a:t>
+            </a:r>
+            <a:r>
+              <a:rPr lang="en-US" dirty="0"/>
+              <a:t>at the command window, go to the location of this file. You can use the cd command to change directory.</a:t>
+            </a:r>
+          </a:p>
+          <a:p>
+            <a:pPr marL="0" indent="0">
+              <a:buNone/>
+            </a:pPr>
+            <a:r>
+              <a:rPr lang="en-US" dirty="0" smtClean="0"/>
+              <a:t>     To </a:t>
+            </a:r>
+            <a:r>
+              <a:rPr lang="en-US" dirty="0"/>
+              <a:t>run the script, type python helloWorld.py in the command window. We should be able to see the output as follows:</a:t>
+            </a:r>
+          </a:p>
+          <a:p>
+            <a:pPr marL="0" indent="0">
+              <a:buNone/>
+            </a:pPr>
+            <a:r>
+              <a:rPr lang="en-US" dirty="0" smtClean="0"/>
+              <a:t>                     Hello </a:t>
+            </a:r>
+            <a:r>
+              <a:rPr lang="en-US" dirty="0"/>
+              <a:t>world!</a:t>
+            </a:r>
+          </a:p>
+          <a:p>
+            <a:pPr marL="0" indent="0">
+              <a:buNone/>
+            </a:pPr>
+            <a:r>
+              <a:rPr lang="en-US" dirty="0" smtClean="0"/>
+              <a:t>     If </a:t>
+            </a:r>
+            <a:r>
+              <a:rPr lang="en-US" dirty="0"/>
+              <a:t>you are using </a:t>
+            </a:r>
+            <a:r>
+              <a:rPr lang="en-US" dirty="0" err="1"/>
+              <a:t>PyScripter</a:t>
+            </a:r>
+            <a:r>
+              <a:rPr lang="en-US" dirty="0"/>
+              <a:t>, there is a green arrow button on top. Press that button or press Ctrl+F9 on your keyboard to run the program.</a:t>
+            </a:r>
+          </a:p>
+          <a:p>
+            <a:pPr marL="0" indent="0">
+              <a:buNone/>
+            </a:pPr>
+            <a:r>
+              <a:rPr lang="en-US" dirty="0" smtClean="0"/>
+              <a:t>     In </a:t>
+            </a:r>
+            <a:r>
+              <a:rPr lang="en-US" dirty="0"/>
+              <a:t>this program we have used the built-in function print(), to print out a string to the screen. String is the value inside the quotation marks, i.e. Hello world! . Now try printing out your name by modifying this program.</a:t>
+            </a:r>
+          </a:p>
+          <a:p>
+            <a:pPr marL="0" indent="0">
+              <a:buNone/>
+            </a:pPr>
+            <a:r>
+              <a:rPr lang="en-US" dirty="0" smtClean="0"/>
+              <a:t>      Congratulations</a:t>
+            </a:r>
+            <a:r>
+              <a:rPr lang="en-US" dirty="0"/>
+              <a:t>! You just wrote your first program in Python.</a:t>
+            </a:r>
+          </a:p>
+          <a:p>
+            <a:pPr marL="0" indent="0">
+              <a:buNone/>
+            </a:pPr>
+            <a:r>
+              <a:rPr lang="en-US" dirty="0" smtClean="0"/>
+              <a:t>     As </a:t>
+            </a:r>
+            <a:r>
+              <a:rPr lang="en-US" dirty="0"/>
+              <a:t>we can see, it was pretty easy. This is the beauty of Python programming language.</a:t>
+            </a:r>
+          </a:p>
+          <a:p>
+            <a:pPr marL="0" indent="0">
+              <a:buNone/>
+            </a:pPr>
+            <a:r>
+              <a:rPr lang="en-US" dirty="0" smtClean="0"/>
+              <a:t>      Check </a:t>
+            </a:r>
+            <a:r>
+              <a:rPr lang="en-US" dirty="0"/>
+              <a:t>out these examples to learn more</a:t>
+            </a:r>
+            <a:r>
+              <a:rPr lang="en-US" dirty="0" smtClean="0"/>
+              <a:t>:</a:t>
+            </a:r>
+          </a:p>
+          <a:p>
+            <a:pPr marL="0" indent="0">
+              <a:buNone/>
+            </a:pPr>
+            <a:endParaRPr lang="en-US" dirty="0" smtClean="0"/>
+          </a:p>
+          <a:p>
+            <a:pPr marL="0" indent="0">
+              <a:buNone/>
+            </a:pPr>
+            <a:endParaRPr lang="en-US" dirty="0"/>
+          </a:p>
+          <a:p>
+            <a:endParaRPr lang="en-US" dirty="0"/>
+          </a:p>
+          <a:p>
+            <a:endParaRPr lang="en-US" dirty="0"/>
+          </a:p>
+          <a:p>
+            <a:endParaRPr lang="en-US" dirty="0"/>
+          </a:p>
+          <a:p>
+            <a:endParaRPr lang="en-US" dirty="0"/>
+          </a:p>
+          <a:p>
+            <a:endParaRPr lang="en-US" dirty="0"/>
+          </a:p>
+          <a:p>
+            <a:endParaRPr lang="en-US" dirty="0"/>
+          </a:p>
+          <a:p>
+            <a:endParaRPr lang="en-US" dirty="0"/>
+          </a:p>
+          <a:p>
+            <a:endParaRPr lang="en-US" sz="2400" dirty="0"/>
+          </a:p>
+          <a:p>
+            <a:endParaRPr lang="en-US" dirty="0"/>
+          </a:p>
+        </p:txBody>
+      </p:sp>
+      <p:graphicFrame>
+        <p:nvGraphicFramePr>
+          <p:cNvPr id="2" name="Object 1"/>
+          <p:cNvGraphicFramePr>
+            <a:graphicFrameLocks noChangeAspect="1"/>
+          </p:cNvGraphicFramePr>
+          <p:nvPr>
+            <p:extLst>
+              <p:ext uri="{D42A27DB-BD31-4B8C-83A1-F6EECF244321}">
+                <p14:modId xmlns:p14="http://schemas.microsoft.com/office/powerpoint/2010/main" val="487038796"/>
+              </p:ext>
+            </p:extLst>
+          </p:nvPr>
+        </p:nvGraphicFramePr>
+        <p:xfrm>
+          <a:off x="5359400" y="5624513"/>
+          <a:ext cx="736600" cy="687387"/>
+        </p:xfrm>
+        <a:graphic>
+          <a:graphicData uri="http://schemas.openxmlformats.org/presentationml/2006/ole">
+            <mc:AlternateContent xmlns:mc="http://schemas.openxmlformats.org/markup-compatibility/2006">
+              <mc:Choice xmlns:v="urn:schemas-microsoft-com:vml" Requires="v">
+                <p:oleObj spid="_x0000_s2054" name="Packager Shell Object" showAsIcon="1" r:id="rId3" imgW="736200" imgH="686880" progId="Package">
+                  <p:embed/>
+                </p:oleObj>
+              </mc:Choice>
+              <mc:Fallback>
+                <p:oleObj name="Packager Shell Object" showAsIcon="1" r:id="rId3" imgW="736200" imgH="686880" progId="Package">
+                  <p:embed/>
+                  <p:pic>
+                    <p:nvPicPr>
+                      <p:cNvPr id="0" name=""/>
+                      <p:cNvPicPr/>
+                      <p:nvPr/>
+                    </p:nvPicPr>
+                    <p:blipFill>
+                      <a:blip r:embed="rId4"/>
+                      <a:stretch>
+                        <a:fillRect/>
+                      </a:stretch>
+                    </p:blipFill>
+                    <p:spPr>
+                      <a:xfrm>
+                        <a:off x="5359400" y="5624513"/>
+                        <a:ext cx="736600" cy="687387"/>
+                      </a:xfrm>
+                      <a:prstGeom prst="rect">
+                        <a:avLst/>
+                      </a:prstGeom>
+                    </p:spPr>
+                  </p:pic>
+                </p:oleObj>
+              </mc:Fallback>
+            </mc:AlternateContent>
+          </a:graphicData>
+        </a:graphic>
+      </p:graphicFrame>
+    </p:spTree>
+    <p:extLst>
+      <p:ext uri="{BB962C8B-B14F-4D97-AF65-F5344CB8AC3E}">
+        <p14:creationId xmlns:p14="http://schemas.microsoft.com/office/powerpoint/2010/main" val="2545153502"/>
+      </p:ext>
+    </p:extLst>
+  </p:cSld>
+  <p:clrMapOvr>
+    <a:masterClrMapping/>
+  </p:clrMapOvr>
+</p:sld>
+</file>
+
+<file path=ppt/slides/slide21.xml><?xml version="1.0" encoding="utf-8"?>
+<p:sld xmlns:a="http://schemas.openxmlformats.org/drawingml/2006/main" xmlns:r="http://schemas.openxmlformats.org/officeDocument/2006/relationships" xmlns:p="http://schemas.openxmlformats.org/presentationml/2006/main">
+  <p:cSld>
+    <p:spTree>
+      <p:nvGrpSpPr>
+        <p:cNvPr id="1" name=""/>
+        <p:cNvGrpSpPr/>
+        <p:nvPr/>
+      </p:nvGrpSpPr>
+      <p:grpSpPr>
+        <a:xfrm>
+          <a:off x="0" y="0"/>
+          <a:ext cx="0" cy="0"/>
+          <a:chOff x="0" y="0"/>
+          <a:chExt cx="0" cy="0"/>
+        </a:xfrm>
+      </p:grpSpPr>
+      <p:sp>
+        <p:nvSpPr>
+          <p:cNvPr id="4" name="Title 1">
+            <a:extLst>
+              <a:ext uri="{FF2B5EF4-FFF2-40B4-BE49-F238E27FC236}">
+                <a16:creationId xmlns:a16="http://schemas.microsoft.com/office/drawing/2014/main" id="{AEC38E88-A4B8-4AD2-8462-D4D53E9FDC91}"/>
+              </a:ext>
+            </a:extLst>
+          </p:cNvPr>
+          <p:cNvSpPr>
+            <a:spLocks noGrp="1"/>
+          </p:cNvSpPr>
+          <p:nvPr>
+            <p:ph type="title"/>
+          </p:nvPr>
+        </p:nvSpPr>
+        <p:spPr>
+          <a:xfrm>
+            <a:off x="838200" y="365125"/>
+            <a:ext cx="10515600" cy="1325563"/>
+          </a:xfrm>
+        </p:spPr>
+        <p:txBody>
+          <a:bodyPr>
+            <a:normAutofit fontScale="90000"/>
+          </a:bodyPr>
+          <a:lstStyle/>
+          <a:p>
+            <a:r>
+              <a:rPr lang="en-US" b="1" dirty="0"/>
+              <a:t/>
+            </a:r>
+            <a:br>
+              <a:rPr lang="en-US" b="1" dirty="0"/>
+            </a:br>
+            <a:r>
+              <a:rPr lang="en-US" b="1" dirty="0" smtClean="0"/>
+              <a:t/>
+            </a:r>
+            <a:br>
+              <a:rPr lang="en-US" b="1" dirty="0" smtClean="0"/>
+            </a:br>
+            <a:r>
+              <a:rPr lang="en-US" b="1" dirty="0" smtClean="0"/>
+              <a:t/>
+            </a:r>
+            <a:br>
+              <a:rPr lang="en-US" b="1" dirty="0" smtClean="0"/>
+            </a:br>
+            <a:r>
+              <a:rPr lang="en-US" b="1" dirty="0" smtClean="0"/>
+              <a:t/>
+            </a:r>
+            <a:br>
+              <a:rPr lang="en-US" b="1" dirty="0" smtClean="0"/>
+            </a:br>
+            <a:r>
+              <a:rPr lang="en-US" b="1" dirty="0" smtClean="0"/>
+              <a:t/>
+            </a:r>
+            <a:br>
+              <a:rPr lang="en-US" b="1" dirty="0" smtClean="0"/>
+            </a:br>
+            <a:r>
+              <a:rPr lang="en-US" b="1" dirty="0" smtClean="0"/>
+              <a:t/>
+            </a:r>
+            <a:br>
+              <a:rPr lang="en-US" b="1" dirty="0" smtClean="0"/>
+            </a:br>
+            <a:r>
+              <a:rPr lang="en-US" b="1" dirty="0" smtClean="0"/>
+              <a:t>Hello </a:t>
+            </a:r>
+            <a:r>
+              <a:rPr lang="en-US" b="1" dirty="0"/>
+              <a:t>World Example</a:t>
+            </a:r>
+            <a:br>
+              <a:rPr lang="en-US" b="1" dirty="0"/>
+            </a:br>
+            <a:r>
+              <a:rPr lang="en-US" b="1" dirty="0"/>
+              <a:t/>
+            </a:r>
+            <a:br>
+              <a:rPr lang="en-US" b="1" dirty="0"/>
+            </a:br>
+            <a:r>
+              <a:rPr lang="en-US" b="1" dirty="0"/>
+              <a:t/>
+            </a:r>
+            <a:br>
+              <a:rPr lang="en-US" b="1" dirty="0"/>
+            </a:br>
+            <a:r>
+              <a:rPr lang="en-US" dirty="0"/>
+              <a:t/>
+            </a:r>
+            <a:br>
+              <a:rPr lang="en-US" dirty="0"/>
+            </a:br>
+            <a:r>
+              <a:rPr lang="en-US" b="1" dirty="0"/>
+              <a:t/>
+            </a:r>
+            <a:br>
+              <a:rPr lang="en-US" b="1" dirty="0"/>
+            </a:br>
+            <a:r>
+              <a:rPr lang="en-US" b="1" dirty="0"/>
+              <a:t/>
+            </a:r>
+            <a:br>
+              <a:rPr lang="en-US" b="1" dirty="0"/>
+            </a:br>
+            <a:endParaRPr lang="en-US" dirty="0"/>
+          </a:p>
+        </p:txBody>
+      </p:sp>
+      <p:pic>
+        <p:nvPicPr>
+          <p:cNvPr id="8" name="Picture 7"/>
+          <p:cNvPicPr>
+            <a:picLocks noChangeAspect="1"/>
+          </p:cNvPicPr>
+          <p:nvPr/>
+        </p:nvPicPr>
+        <p:blipFill>
+          <a:blip r:embed="rId2"/>
+          <a:stretch>
+            <a:fillRect/>
+          </a:stretch>
+        </p:blipFill>
+        <p:spPr>
+          <a:xfrm>
+            <a:off x="413352" y="1564563"/>
+            <a:ext cx="11557930" cy="4733925"/>
+          </a:xfrm>
+          <a:prstGeom prst="rect">
+            <a:avLst/>
+          </a:prstGeom>
+        </p:spPr>
+      </p:pic>
+    </p:spTree>
+    <p:extLst>
+      <p:ext uri="{BB962C8B-B14F-4D97-AF65-F5344CB8AC3E}">
+        <p14:creationId xmlns:p14="http://schemas.microsoft.com/office/powerpoint/2010/main" val="1403926088"/>
       </p:ext>
     </p:extLst>
   </p:cSld>
@@ -4819,7 +6602,6 @@
               <a:rPr lang="en-US" dirty="0"/>
               <a:t>Python is a fairly old language created by Guido Van Rossum. The design began in the late 1980s and was first released in February 1991.</a:t>
             </a:r>
-            <a:endParaRPr lang="en-US" dirty="0"/>
           </a:p>
         </p:txBody>
       </p:sp>
@@ -5122,7 +6904,6 @@
               <a:rPr lang="en-US" dirty="0"/>
               <a:t>In late 1980s, Guido Van Rossum was working on the Amoeba distributed operating system group. He wanted to use an interpreted language like ABC (ABC has simple easy-to-understand syntax) that could access the Amoeba system calls. So, he decided to create a language that was extensible. This led to design of a new language which was later named Python.</a:t>
             </a:r>
-            <a:endParaRPr lang="en-US" dirty="0"/>
           </a:p>
         </p:txBody>
       </p:sp>
